--- a/Documents/design/Angular/Login_Component/Login.pptx
+++ b/Documents/design/Angular/Login_Component/Login.pptx
@@ -6,10 +6,12 @@
   </p:sldMasterIdLst>
   <p:sldIdLst>
     <p:sldId id="256" r:id="rId2"/>
-    <p:sldId id="258" r:id="rId3"/>
-    <p:sldId id="259" r:id="rId4"/>
-    <p:sldId id="257" r:id="rId5"/>
-    <p:sldId id="260" r:id="rId6"/>
+    <p:sldId id="261" r:id="rId3"/>
+    <p:sldId id="258" r:id="rId4"/>
+    <p:sldId id="259" r:id="rId5"/>
+    <p:sldId id="257" r:id="rId6"/>
+    <p:sldId id="262" r:id="rId7"/>
+    <p:sldId id="260" r:id="rId8"/>
   </p:sldIdLst>
   <p:sldSz cx="12192000" cy="6858000"/>
   <p:notesSz cx="6858000" cy="9144000"/>
@@ -263,7 +265,7 @@
           <a:p>
             <a:fld id="{868F4778-6D01-4E9C-8F6D-FBD3A941C12B}" type="datetimeFigureOut">
               <a:rPr lang="en-US" smtClean="0"/>
-              <a:t>12/14/2019</a:t>
+              <a:t>12/19/2019</a:t>
             </a:fld>
             <a:endParaRPr lang="en-US"/>
           </a:p>
@@ -461,7 +463,7 @@
           <a:p>
             <a:fld id="{868F4778-6D01-4E9C-8F6D-FBD3A941C12B}" type="datetimeFigureOut">
               <a:rPr lang="en-US" smtClean="0"/>
-              <a:t>12/14/2019</a:t>
+              <a:t>12/19/2019</a:t>
             </a:fld>
             <a:endParaRPr lang="en-US"/>
           </a:p>
@@ -669,7 +671,7 @@
           <a:p>
             <a:fld id="{868F4778-6D01-4E9C-8F6D-FBD3A941C12B}" type="datetimeFigureOut">
               <a:rPr lang="en-US" smtClean="0"/>
-              <a:t>12/14/2019</a:t>
+              <a:t>12/19/2019</a:t>
             </a:fld>
             <a:endParaRPr lang="en-US"/>
           </a:p>
@@ -867,7 +869,7 @@
           <a:p>
             <a:fld id="{868F4778-6D01-4E9C-8F6D-FBD3A941C12B}" type="datetimeFigureOut">
               <a:rPr lang="en-US" smtClean="0"/>
-              <a:t>12/14/2019</a:t>
+              <a:t>12/19/2019</a:t>
             </a:fld>
             <a:endParaRPr lang="en-US"/>
           </a:p>
@@ -1142,7 +1144,7 @@
           <a:p>
             <a:fld id="{868F4778-6D01-4E9C-8F6D-FBD3A941C12B}" type="datetimeFigureOut">
               <a:rPr lang="en-US" smtClean="0"/>
-              <a:t>12/14/2019</a:t>
+              <a:t>12/19/2019</a:t>
             </a:fld>
             <a:endParaRPr lang="en-US"/>
           </a:p>
@@ -1407,7 +1409,7 @@
           <a:p>
             <a:fld id="{868F4778-6D01-4E9C-8F6D-FBD3A941C12B}" type="datetimeFigureOut">
               <a:rPr lang="en-US" smtClean="0"/>
-              <a:t>12/14/2019</a:t>
+              <a:t>12/19/2019</a:t>
             </a:fld>
             <a:endParaRPr lang="en-US"/>
           </a:p>
@@ -1819,7 +1821,7 @@
           <a:p>
             <a:fld id="{868F4778-6D01-4E9C-8F6D-FBD3A941C12B}" type="datetimeFigureOut">
               <a:rPr lang="en-US" smtClean="0"/>
-              <a:t>12/14/2019</a:t>
+              <a:t>12/19/2019</a:t>
             </a:fld>
             <a:endParaRPr lang="en-US"/>
           </a:p>
@@ -1960,7 +1962,7 @@
           <a:p>
             <a:fld id="{868F4778-6D01-4E9C-8F6D-FBD3A941C12B}" type="datetimeFigureOut">
               <a:rPr lang="en-US" smtClean="0"/>
-              <a:t>12/14/2019</a:t>
+              <a:t>12/19/2019</a:t>
             </a:fld>
             <a:endParaRPr lang="en-US"/>
           </a:p>
@@ -2073,7 +2075,7 @@
           <a:p>
             <a:fld id="{868F4778-6D01-4E9C-8F6D-FBD3A941C12B}" type="datetimeFigureOut">
               <a:rPr lang="en-US" smtClean="0"/>
-              <a:t>12/14/2019</a:t>
+              <a:t>12/19/2019</a:t>
             </a:fld>
             <a:endParaRPr lang="en-US"/>
           </a:p>
@@ -2384,7 +2386,7 @@
           <a:p>
             <a:fld id="{868F4778-6D01-4E9C-8F6D-FBD3A941C12B}" type="datetimeFigureOut">
               <a:rPr lang="en-US" smtClean="0"/>
-              <a:t>12/14/2019</a:t>
+              <a:t>12/19/2019</a:t>
             </a:fld>
             <a:endParaRPr lang="en-US"/>
           </a:p>
@@ -2672,7 +2674,7 @@
           <a:p>
             <a:fld id="{868F4778-6D01-4E9C-8F6D-FBD3A941C12B}" type="datetimeFigureOut">
               <a:rPr lang="en-US" smtClean="0"/>
-              <a:t>12/14/2019</a:t>
+              <a:t>12/19/2019</a:t>
             </a:fld>
             <a:endParaRPr lang="en-US"/>
           </a:p>
@@ -2913,7 +2915,7 @@
           <a:p>
             <a:fld id="{868F4778-6D01-4E9C-8F6D-FBD3A941C12B}" type="datetimeFigureOut">
               <a:rPr lang="en-US" smtClean="0"/>
-              <a:t>12/14/2019</a:t>
+              <a:t>12/19/2019</a:t>
             </a:fld>
             <a:endParaRPr lang="en-US"/>
           </a:p>
@@ -4399,6 +4401,88 @@
           </a:fontRef>
         </p:style>
       </p:cxnSp>
+      <p:cxnSp>
+        <p:nvCxnSpPr>
+          <p:cNvPr id="9" name="Straight Arrow Connector 8">
+            <a:extLst>
+              <a:ext uri="{FF2B5EF4-FFF2-40B4-BE49-F238E27FC236}">
+                <a16:creationId xmlns:a16="http://schemas.microsoft.com/office/drawing/2014/main" id="{C01A315E-8F36-46DE-BFCD-3B87C983DFF3}"/>
+              </a:ext>
+            </a:extLst>
+          </p:cNvPr>
+          <p:cNvCxnSpPr>
+            <a:stCxn id="24" idx="2"/>
+          </p:cNvCxnSpPr>
+          <p:nvPr/>
+        </p:nvCxnSpPr>
+        <p:spPr>
+          <a:xfrm>
+            <a:off x="763480" y="4980373"/>
+            <a:ext cx="0" cy="1109531"/>
+          </a:xfrm>
+          <a:prstGeom prst="straightConnector1">
+            <a:avLst/>
+          </a:prstGeom>
+          <a:ln>
+            <a:tailEnd type="triangle"/>
+          </a:ln>
+        </p:spPr>
+        <p:style>
+          <a:lnRef idx="1">
+            <a:schemeClr val="accent1"/>
+          </a:lnRef>
+          <a:fillRef idx="0">
+            <a:schemeClr val="accent1"/>
+          </a:fillRef>
+          <a:effectRef idx="0">
+            <a:schemeClr val="accent1"/>
+          </a:effectRef>
+          <a:fontRef idx="minor">
+            <a:schemeClr val="tx1"/>
+          </a:fontRef>
+        </p:style>
+      </p:cxnSp>
+      <p:cxnSp>
+        <p:nvCxnSpPr>
+          <p:cNvPr id="14" name="Straight Arrow Connector 13">
+            <a:extLst>
+              <a:ext uri="{FF2B5EF4-FFF2-40B4-BE49-F238E27FC236}">
+                <a16:creationId xmlns:a16="http://schemas.microsoft.com/office/drawing/2014/main" id="{DD3469A2-312C-421A-AFF4-34B0C21B3F40}"/>
+              </a:ext>
+            </a:extLst>
+          </p:cNvPr>
+          <p:cNvCxnSpPr>
+            <a:endCxn id="27" idx="1"/>
+          </p:cNvCxnSpPr>
+          <p:nvPr/>
+        </p:nvCxnSpPr>
+        <p:spPr>
+          <a:xfrm>
+            <a:off x="763480" y="6080760"/>
+            <a:ext cx="4370497" cy="418"/>
+          </a:xfrm>
+          <a:prstGeom prst="straightConnector1">
+            <a:avLst/>
+          </a:prstGeom>
+          <a:ln>
+            <a:tailEnd type="triangle"/>
+          </a:ln>
+        </p:spPr>
+        <p:style>
+          <a:lnRef idx="1">
+            <a:schemeClr val="accent1"/>
+          </a:lnRef>
+          <a:fillRef idx="0">
+            <a:schemeClr val="accent1"/>
+          </a:fillRef>
+          <a:effectRef idx="0">
+            <a:schemeClr val="accent1"/>
+          </a:effectRef>
+          <a:fontRef idx="minor">
+            <a:schemeClr val="tx1"/>
+          </a:fontRef>
+        </p:style>
+      </p:cxnSp>
     </p:spTree>
     <p:extLst>
       <p:ext uri="{BB962C8B-B14F-4D97-AF65-F5344CB8AC3E}">
@@ -4431,10 +4515,10 @@
       </p:grpSpPr>
       <p:sp>
         <p:nvSpPr>
-          <p:cNvPr id="4" name="Rectangle 3">
-            <a:extLst>
-              <a:ext uri="{FF2B5EF4-FFF2-40B4-BE49-F238E27FC236}">
-                <a16:creationId xmlns:a16="http://schemas.microsoft.com/office/drawing/2014/main" id="{03F8D981-A1C8-419E-8461-8667C48F6E9A}"/>
+          <p:cNvPr id="5" name="Rectangle 4">
+            <a:extLst>
+              <a:ext uri="{FF2B5EF4-FFF2-40B4-BE49-F238E27FC236}">
+                <a16:creationId xmlns:a16="http://schemas.microsoft.com/office/drawing/2014/main" id="{6BE37535-8DB5-4D97-8DC1-8FB163B97E58}"/>
               </a:ext>
             </a:extLst>
           </p:cNvPr>
@@ -4444,7 +4528,7 @@
         <p:spPr>
           <a:xfrm>
             <a:off x="0" y="0"/>
-            <a:ext cx="3595456" cy="923330"/>
+            <a:ext cx="3948581" cy="923330"/>
           </a:xfrm>
           <a:prstGeom prst="rect">
             <a:avLst/>
@@ -4452,7 +4536,7 @@
           <a:noFill/>
         </p:spPr>
         <p:txBody>
-          <a:bodyPr wrap="square" lIns="91440" tIns="45720" rIns="91440" bIns="45720">
+          <a:bodyPr wrap="none" lIns="91440" tIns="45720" rIns="91440" bIns="45720">
             <a:spAutoFit/>
           </a:bodyPr>
           <a:lstStyle/>
@@ -4472,15 +4556,1114 @@
                   </a:outerShdw>
                 </a:effectLst>
               </a:rPr>
-              <a:t>Constructor</a:t>
-            </a:r>
-          </a:p>
-        </p:txBody>
-      </p:sp>
+              <a:t>Page Register</a:t>
+            </a:r>
+          </a:p>
+        </p:txBody>
+      </p:sp>
+      <p:sp>
+        <p:nvSpPr>
+          <p:cNvPr id="6" name="Rectangle 5">
+            <a:extLst>
+              <a:ext uri="{FF2B5EF4-FFF2-40B4-BE49-F238E27FC236}">
+                <a16:creationId xmlns:a16="http://schemas.microsoft.com/office/drawing/2014/main" id="{E57B5847-10CD-461C-9E5D-F52D5A579DAD}"/>
+              </a:ext>
+            </a:extLst>
+          </p:cNvPr>
+          <p:cNvSpPr/>
+          <p:nvPr/>
+        </p:nvSpPr>
+        <p:spPr>
+          <a:xfrm>
+            <a:off x="5000818" y="682523"/>
+            <a:ext cx="1296139" cy="481614"/>
+          </a:xfrm>
+          <a:prstGeom prst="rect">
+            <a:avLst/>
+          </a:prstGeom>
+        </p:spPr>
+        <p:style>
+          <a:lnRef idx="2">
+            <a:schemeClr val="accent6">
+              <a:shade val="50000"/>
+            </a:schemeClr>
+          </a:lnRef>
+          <a:fillRef idx="1">
+            <a:schemeClr val="accent6"/>
+          </a:fillRef>
+          <a:effectRef idx="0">
+            <a:schemeClr val="accent6"/>
+          </a:effectRef>
+          <a:fontRef idx="minor">
+            <a:schemeClr val="lt1"/>
+          </a:fontRef>
+        </p:style>
+        <p:txBody>
+          <a:bodyPr rtlCol="0" anchor="ctr"/>
+          <a:lstStyle/>
+          <a:p>
+            <a:pPr algn="ctr"/>
+            <a:r>
+              <a:rPr lang="en-US" dirty="0"/>
+              <a:t>START</a:t>
+            </a:r>
+          </a:p>
+        </p:txBody>
+      </p:sp>
+      <p:sp>
+        <p:nvSpPr>
+          <p:cNvPr id="10" name="Rectangle 9">
+            <a:extLst>
+              <a:ext uri="{FF2B5EF4-FFF2-40B4-BE49-F238E27FC236}">
+                <a16:creationId xmlns:a16="http://schemas.microsoft.com/office/drawing/2014/main" id="{13480395-93D6-4700-B0BF-413A4F066341}"/>
+              </a:ext>
+            </a:extLst>
+          </p:cNvPr>
+          <p:cNvSpPr/>
+          <p:nvPr/>
+        </p:nvSpPr>
+        <p:spPr>
+          <a:xfrm>
+            <a:off x="5000817" y="1516185"/>
+            <a:ext cx="1296139" cy="481614"/>
+          </a:xfrm>
+          <a:prstGeom prst="rect">
+            <a:avLst/>
+          </a:prstGeom>
+        </p:spPr>
+        <p:style>
+          <a:lnRef idx="2">
+            <a:schemeClr val="accent1">
+              <a:shade val="50000"/>
+            </a:schemeClr>
+          </a:lnRef>
+          <a:fillRef idx="1">
+            <a:schemeClr val="accent1"/>
+          </a:fillRef>
+          <a:effectRef idx="0">
+            <a:schemeClr val="accent1"/>
+          </a:effectRef>
+          <a:fontRef idx="minor">
+            <a:schemeClr val="lt1"/>
+          </a:fontRef>
+        </p:style>
+        <p:txBody>
+          <a:bodyPr rtlCol="0" anchor="ctr"/>
+          <a:lstStyle/>
+          <a:p>
+            <a:pPr algn="ctr"/>
+            <a:r>
+              <a:rPr lang="en-US" dirty="0"/>
+              <a:t>Show UI</a:t>
+            </a:r>
+          </a:p>
+        </p:txBody>
+      </p:sp>
+      <p:cxnSp>
+        <p:nvCxnSpPr>
+          <p:cNvPr id="12" name="Straight Arrow Connector 11">
+            <a:extLst>
+              <a:ext uri="{FF2B5EF4-FFF2-40B4-BE49-F238E27FC236}">
+                <a16:creationId xmlns:a16="http://schemas.microsoft.com/office/drawing/2014/main" id="{0CBF8ED8-5545-4462-838C-3715AC614F37}"/>
+              </a:ext>
+            </a:extLst>
+          </p:cNvPr>
+          <p:cNvCxnSpPr>
+            <a:cxnSpLocks/>
+            <a:stCxn id="6" idx="2"/>
+            <a:endCxn id="10" idx="0"/>
+          </p:cNvCxnSpPr>
+          <p:nvPr/>
+        </p:nvCxnSpPr>
+        <p:spPr>
+          <a:xfrm flipH="1">
+            <a:off x="5648887" y="1164137"/>
+            <a:ext cx="1" cy="352048"/>
+          </a:xfrm>
+          <a:prstGeom prst="straightConnector1">
+            <a:avLst/>
+          </a:prstGeom>
+          <a:ln>
+            <a:tailEnd type="triangle"/>
+          </a:ln>
+        </p:spPr>
+        <p:style>
+          <a:lnRef idx="1">
+            <a:schemeClr val="accent1"/>
+          </a:lnRef>
+          <a:fillRef idx="0">
+            <a:schemeClr val="accent1"/>
+          </a:fillRef>
+          <a:effectRef idx="0">
+            <a:schemeClr val="accent1"/>
+          </a:effectRef>
+          <a:fontRef idx="minor">
+            <a:schemeClr val="tx1"/>
+          </a:fontRef>
+        </p:style>
+      </p:cxnSp>
+      <p:sp>
+        <p:nvSpPr>
+          <p:cNvPr id="27" name="Rectangle 26">
+            <a:extLst>
+              <a:ext uri="{FF2B5EF4-FFF2-40B4-BE49-F238E27FC236}">
+                <a16:creationId xmlns:a16="http://schemas.microsoft.com/office/drawing/2014/main" id="{BBE87152-2280-418B-BF5F-96008C04F14E}"/>
+              </a:ext>
+            </a:extLst>
+          </p:cNvPr>
+          <p:cNvSpPr/>
+          <p:nvPr/>
+        </p:nvSpPr>
+        <p:spPr>
+          <a:xfrm>
+            <a:off x="5133977" y="5840371"/>
+            <a:ext cx="1296139" cy="481614"/>
+          </a:xfrm>
+          <a:prstGeom prst="rect">
+            <a:avLst/>
+          </a:prstGeom>
+        </p:spPr>
+        <p:style>
+          <a:lnRef idx="2">
+            <a:schemeClr val="accent6">
+              <a:shade val="50000"/>
+            </a:schemeClr>
+          </a:lnRef>
+          <a:fillRef idx="1">
+            <a:schemeClr val="accent6"/>
+          </a:fillRef>
+          <a:effectRef idx="0">
+            <a:schemeClr val="accent6"/>
+          </a:effectRef>
+          <a:fontRef idx="minor">
+            <a:schemeClr val="lt1"/>
+          </a:fontRef>
+        </p:style>
+        <p:txBody>
+          <a:bodyPr rtlCol="0" anchor="ctr"/>
+          <a:lstStyle/>
+          <a:p>
+            <a:pPr algn="ctr"/>
+            <a:r>
+              <a:rPr lang="en-US" dirty="0"/>
+              <a:t>END</a:t>
+            </a:r>
+          </a:p>
+        </p:txBody>
+      </p:sp>
+      <p:sp>
+        <p:nvSpPr>
+          <p:cNvPr id="2" name="Rectangle 1">
+            <a:extLst>
+              <a:ext uri="{FF2B5EF4-FFF2-40B4-BE49-F238E27FC236}">
+                <a16:creationId xmlns:a16="http://schemas.microsoft.com/office/drawing/2014/main" id="{BD66E27E-36A2-44C9-8493-5F06CCD514DE}"/>
+              </a:ext>
+            </a:extLst>
+          </p:cNvPr>
+          <p:cNvSpPr/>
+          <p:nvPr/>
+        </p:nvSpPr>
+        <p:spPr>
+          <a:xfrm>
+            <a:off x="896643" y="2379216"/>
+            <a:ext cx="2716567" cy="603681"/>
+          </a:xfrm>
+          <a:prstGeom prst="rect">
+            <a:avLst/>
+          </a:prstGeom>
+        </p:spPr>
+        <p:style>
+          <a:lnRef idx="2">
+            <a:schemeClr val="accent1">
+              <a:shade val="50000"/>
+            </a:schemeClr>
+          </a:lnRef>
+          <a:fillRef idx="1">
+            <a:schemeClr val="accent1"/>
+          </a:fillRef>
+          <a:effectRef idx="0">
+            <a:schemeClr val="accent1"/>
+          </a:effectRef>
+          <a:fontRef idx="minor">
+            <a:schemeClr val="lt1"/>
+          </a:fontRef>
+        </p:style>
+        <p:txBody>
+          <a:bodyPr rtlCol="0" anchor="ctr"/>
+          <a:lstStyle/>
+          <a:p>
+            <a:pPr algn="ctr"/>
+            <a:r>
+              <a:rPr lang="en-US" dirty="0"/>
+              <a:t>Type Text in Email field</a:t>
+            </a:r>
+          </a:p>
+        </p:txBody>
+      </p:sp>
+      <p:sp>
+        <p:nvSpPr>
+          <p:cNvPr id="8" name="Rectangle 7">
+            <a:extLst>
+              <a:ext uri="{FF2B5EF4-FFF2-40B4-BE49-F238E27FC236}">
+                <a16:creationId xmlns:a16="http://schemas.microsoft.com/office/drawing/2014/main" id="{A308997B-C072-4DE8-82EC-2B8AE207B2ED}"/>
+              </a:ext>
+            </a:extLst>
+          </p:cNvPr>
+          <p:cNvSpPr/>
+          <p:nvPr/>
+        </p:nvSpPr>
+        <p:spPr>
+          <a:xfrm>
+            <a:off x="7661427" y="2379216"/>
+            <a:ext cx="2716567" cy="603681"/>
+          </a:xfrm>
+          <a:prstGeom prst="rect">
+            <a:avLst/>
+          </a:prstGeom>
+        </p:spPr>
+        <p:style>
+          <a:lnRef idx="2">
+            <a:schemeClr val="accent1">
+              <a:shade val="50000"/>
+            </a:schemeClr>
+          </a:lnRef>
+          <a:fillRef idx="1">
+            <a:schemeClr val="accent1"/>
+          </a:fillRef>
+          <a:effectRef idx="0">
+            <a:schemeClr val="accent1"/>
+          </a:effectRef>
+          <a:fontRef idx="minor">
+            <a:schemeClr val="lt1"/>
+          </a:fontRef>
+        </p:style>
+        <p:txBody>
+          <a:bodyPr rtlCol="0" anchor="ctr"/>
+          <a:lstStyle/>
+          <a:p>
+            <a:pPr algn="ctr"/>
+            <a:r>
+              <a:rPr lang="en-US" dirty="0"/>
+              <a:t>Type Text in Password field</a:t>
+            </a:r>
+          </a:p>
+        </p:txBody>
+      </p:sp>
+      <p:sp>
+        <p:nvSpPr>
+          <p:cNvPr id="3" name="Oval 2">
+            <a:extLst>
+              <a:ext uri="{FF2B5EF4-FFF2-40B4-BE49-F238E27FC236}">
+                <a16:creationId xmlns:a16="http://schemas.microsoft.com/office/drawing/2014/main" id="{9CD56554-63C7-444F-8FF3-1361CD3EBA51}"/>
+              </a:ext>
+            </a:extLst>
+          </p:cNvPr>
+          <p:cNvSpPr/>
+          <p:nvPr/>
+        </p:nvSpPr>
+        <p:spPr>
+          <a:xfrm>
+            <a:off x="1203624" y="3303280"/>
+            <a:ext cx="2102604" cy="603681"/>
+          </a:xfrm>
+          <a:prstGeom prst="ellipse">
+            <a:avLst/>
+          </a:prstGeom>
+        </p:spPr>
+        <p:style>
+          <a:lnRef idx="2">
+            <a:schemeClr val="accent4">
+              <a:shade val="50000"/>
+            </a:schemeClr>
+          </a:lnRef>
+          <a:fillRef idx="1">
+            <a:schemeClr val="accent4"/>
+          </a:fillRef>
+          <a:effectRef idx="0">
+            <a:schemeClr val="accent4"/>
+          </a:effectRef>
+          <a:fontRef idx="minor">
+            <a:schemeClr val="lt1"/>
+          </a:fontRef>
+        </p:style>
+        <p:txBody>
+          <a:bodyPr rtlCol="0" anchor="ctr"/>
+          <a:lstStyle/>
+          <a:p>
+            <a:pPr algn="ctr"/>
+            <a:r>
+              <a:rPr lang="en-US" dirty="0"/>
+              <a:t>Validate is Email</a:t>
+            </a:r>
+          </a:p>
+        </p:txBody>
+      </p:sp>
+      <p:cxnSp>
+        <p:nvCxnSpPr>
+          <p:cNvPr id="7" name="Straight Arrow Connector 6">
+            <a:extLst>
+              <a:ext uri="{FF2B5EF4-FFF2-40B4-BE49-F238E27FC236}">
+                <a16:creationId xmlns:a16="http://schemas.microsoft.com/office/drawing/2014/main" id="{80ECDD63-FBA7-46E8-BE63-4571213CAE58}"/>
+              </a:ext>
+            </a:extLst>
+          </p:cNvPr>
+          <p:cNvCxnSpPr>
+            <a:stCxn id="10" idx="1"/>
+          </p:cNvCxnSpPr>
+          <p:nvPr/>
+        </p:nvCxnSpPr>
+        <p:spPr>
+          <a:xfrm flipH="1" flipV="1">
+            <a:off x="2254928" y="1731146"/>
+            <a:ext cx="2745889" cy="25846"/>
+          </a:xfrm>
+          <a:prstGeom prst="straightConnector1">
+            <a:avLst/>
+          </a:prstGeom>
+          <a:ln>
+            <a:tailEnd type="triangle"/>
+          </a:ln>
+        </p:spPr>
+        <p:style>
+          <a:lnRef idx="1">
+            <a:schemeClr val="accent1"/>
+          </a:lnRef>
+          <a:fillRef idx="0">
+            <a:schemeClr val="accent1"/>
+          </a:fillRef>
+          <a:effectRef idx="0">
+            <a:schemeClr val="accent1"/>
+          </a:effectRef>
+          <a:fontRef idx="minor">
+            <a:schemeClr val="tx1"/>
+          </a:fontRef>
+        </p:style>
+      </p:cxnSp>
+      <p:cxnSp>
+        <p:nvCxnSpPr>
+          <p:cNvPr id="11" name="Straight Arrow Connector 10">
+            <a:extLst>
+              <a:ext uri="{FF2B5EF4-FFF2-40B4-BE49-F238E27FC236}">
+                <a16:creationId xmlns:a16="http://schemas.microsoft.com/office/drawing/2014/main" id="{CEDF8A2E-ED8A-43CD-99BC-561038A689BA}"/>
+              </a:ext>
+            </a:extLst>
+          </p:cNvPr>
+          <p:cNvCxnSpPr>
+            <a:cxnSpLocks/>
+            <a:endCxn id="2" idx="0"/>
+          </p:cNvCxnSpPr>
+          <p:nvPr/>
+        </p:nvCxnSpPr>
+        <p:spPr>
+          <a:xfrm>
+            <a:off x="2254927" y="1731146"/>
+            <a:ext cx="0" cy="648070"/>
+          </a:xfrm>
+          <a:prstGeom prst="straightConnector1">
+            <a:avLst/>
+          </a:prstGeom>
+          <a:ln>
+            <a:tailEnd type="triangle"/>
+          </a:ln>
+        </p:spPr>
+        <p:style>
+          <a:lnRef idx="1">
+            <a:schemeClr val="accent1"/>
+          </a:lnRef>
+          <a:fillRef idx="0">
+            <a:schemeClr val="accent1"/>
+          </a:fillRef>
+          <a:effectRef idx="0">
+            <a:schemeClr val="accent1"/>
+          </a:effectRef>
+          <a:fontRef idx="minor">
+            <a:schemeClr val="tx1"/>
+          </a:fontRef>
+        </p:style>
+      </p:cxnSp>
+      <p:cxnSp>
+        <p:nvCxnSpPr>
+          <p:cNvPr id="16" name="Straight Arrow Connector 15">
+            <a:extLst>
+              <a:ext uri="{FF2B5EF4-FFF2-40B4-BE49-F238E27FC236}">
+                <a16:creationId xmlns:a16="http://schemas.microsoft.com/office/drawing/2014/main" id="{A416E935-4F3B-43C1-8436-1A8A37AA51BE}"/>
+              </a:ext>
+            </a:extLst>
+          </p:cNvPr>
+          <p:cNvCxnSpPr>
+            <a:cxnSpLocks/>
+            <a:stCxn id="10" idx="3"/>
+          </p:cNvCxnSpPr>
+          <p:nvPr/>
+        </p:nvCxnSpPr>
+        <p:spPr>
+          <a:xfrm>
+            <a:off x="6296956" y="1756992"/>
+            <a:ext cx="2722755" cy="0"/>
+          </a:xfrm>
+          <a:prstGeom prst="straightConnector1">
+            <a:avLst/>
+          </a:prstGeom>
+          <a:ln>
+            <a:tailEnd type="triangle"/>
+          </a:ln>
+        </p:spPr>
+        <p:style>
+          <a:lnRef idx="1">
+            <a:schemeClr val="accent1"/>
+          </a:lnRef>
+          <a:fillRef idx="0">
+            <a:schemeClr val="accent1"/>
+          </a:fillRef>
+          <a:effectRef idx="0">
+            <a:schemeClr val="accent1"/>
+          </a:effectRef>
+          <a:fontRef idx="minor">
+            <a:schemeClr val="tx1"/>
+          </a:fontRef>
+        </p:style>
+      </p:cxnSp>
+      <p:cxnSp>
+        <p:nvCxnSpPr>
+          <p:cNvPr id="18" name="Straight Arrow Connector 17">
+            <a:extLst>
+              <a:ext uri="{FF2B5EF4-FFF2-40B4-BE49-F238E27FC236}">
+                <a16:creationId xmlns:a16="http://schemas.microsoft.com/office/drawing/2014/main" id="{7C0CBD5F-67DB-4833-84B7-3866BB7A26EF}"/>
+              </a:ext>
+            </a:extLst>
+          </p:cNvPr>
+          <p:cNvCxnSpPr>
+            <a:cxnSpLocks/>
+            <a:endCxn id="8" idx="0"/>
+          </p:cNvCxnSpPr>
+          <p:nvPr/>
+        </p:nvCxnSpPr>
+        <p:spPr>
+          <a:xfrm>
+            <a:off x="9019711" y="1731146"/>
+            <a:ext cx="0" cy="648070"/>
+          </a:xfrm>
+          <a:prstGeom prst="straightConnector1">
+            <a:avLst/>
+          </a:prstGeom>
+          <a:ln>
+            <a:tailEnd type="triangle"/>
+          </a:ln>
+        </p:spPr>
+        <p:style>
+          <a:lnRef idx="1">
+            <a:schemeClr val="accent1"/>
+          </a:lnRef>
+          <a:fillRef idx="0">
+            <a:schemeClr val="accent1"/>
+          </a:fillRef>
+          <a:effectRef idx="0">
+            <a:schemeClr val="accent1"/>
+          </a:effectRef>
+          <a:fontRef idx="minor">
+            <a:schemeClr val="tx1"/>
+          </a:fontRef>
+        </p:style>
+      </p:cxnSp>
+      <p:cxnSp>
+        <p:nvCxnSpPr>
+          <p:cNvPr id="22" name="Straight Arrow Connector 21">
+            <a:extLst>
+              <a:ext uri="{FF2B5EF4-FFF2-40B4-BE49-F238E27FC236}">
+                <a16:creationId xmlns:a16="http://schemas.microsoft.com/office/drawing/2014/main" id="{14E4529E-ADF0-4276-8333-F1DBD058ED49}"/>
+              </a:ext>
+            </a:extLst>
+          </p:cNvPr>
+          <p:cNvCxnSpPr>
+            <a:stCxn id="2" idx="2"/>
+            <a:endCxn id="3" idx="0"/>
+          </p:cNvCxnSpPr>
+          <p:nvPr/>
+        </p:nvCxnSpPr>
+        <p:spPr>
+          <a:xfrm flipH="1">
+            <a:off x="2254926" y="2982897"/>
+            <a:ext cx="1" cy="320383"/>
+          </a:xfrm>
+          <a:prstGeom prst="straightConnector1">
+            <a:avLst/>
+          </a:prstGeom>
+          <a:ln>
+            <a:tailEnd type="triangle"/>
+          </a:ln>
+        </p:spPr>
+        <p:style>
+          <a:lnRef idx="1">
+            <a:schemeClr val="accent1"/>
+          </a:lnRef>
+          <a:fillRef idx="0">
+            <a:schemeClr val="accent1"/>
+          </a:fillRef>
+          <a:effectRef idx="0">
+            <a:schemeClr val="accent1"/>
+          </a:effectRef>
+          <a:fontRef idx="minor">
+            <a:schemeClr val="tx1"/>
+          </a:fontRef>
+        </p:style>
+      </p:cxnSp>
+      <p:sp>
+        <p:nvSpPr>
+          <p:cNvPr id="24" name="Rectangle 23">
+            <a:extLst>
+              <a:ext uri="{FF2B5EF4-FFF2-40B4-BE49-F238E27FC236}">
+                <a16:creationId xmlns:a16="http://schemas.microsoft.com/office/drawing/2014/main" id="{03C2B808-A969-4C05-94A9-9FEF479BFD05}"/>
+              </a:ext>
+            </a:extLst>
+          </p:cNvPr>
+          <p:cNvSpPr/>
+          <p:nvPr/>
+        </p:nvSpPr>
+        <p:spPr>
+          <a:xfrm>
+            <a:off x="86558" y="4545367"/>
+            <a:ext cx="1353844" cy="435006"/>
+          </a:xfrm>
+          <a:prstGeom prst="rect">
+            <a:avLst/>
+          </a:prstGeom>
+        </p:spPr>
+        <p:style>
+          <a:lnRef idx="2">
+            <a:schemeClr val="accent1">
+              <a:shade val="50000"/>
+            </a:schemeClr>
+          </a:lnRef>
+          <a:fillRef idx="1">
+            <a:schemeClr val="accent1"/>
+          </a:fillRef>
+          <a:effectRef idx="0">
+            <a:schemeClr val="accent1"/>
+          </a:effectRef>
+          <a:fontRef idx="minor">
+            <a:schemeClr val="lt1"/>
+          </a:fontRef>
+        </p:style>
+        <p:txBody>
+          <a:bodyPr rtlCol="0" anchor="ctr"/>
+          <a:lstStyle/>
+          <a:p>
+            <a:pPr algn="ctr"/>
+            <a:r>
+              <a:rPr lang="en-US" dirty="0"/>
+              <a:t>Report Error</a:t>
+            </a:r>
+          </a:p>
+        </p:txBody>
+      </p:sp>
+      <p:cxnSp>
+        <p:nvCxnSpPr>
+          <p:cNvPr id="26" name="Straight Arrow Connector 25">
+            <a:extLst>
+              <a:ext uri="{FF2B5EF4-FFF2-40B4-BE49-F238E27FC236}">
+                <a16:creationId xmlns:a16="http://schemas.microsoft.com/office/drawing/2014/main" id="{26901422-013D-4013-B1FE-7AAD37F443CD}"/>
+              </a:ext>
+            </a:extLst>
+          </p:cNvPr>
+          <p:cNvCxnSpPr>
+            <a:stCxn id="3" idx="2"/>
+          </p:cNvCxnSpPr>
+          <p:nvPr/>
+        </p:nvCxnSpPr>
+        <p:spPr>
+          <a:xfrm flipH="1">
+            <a:off x="763480" y="3605121"/>
+            <a:ext cx="440144" cy="0"/>
+          </a:xfrm>
+          <a:prstGeom prst="straightConnector1">
+            <a:avLst/>
+          </a:prstGeom>
+          <a:ln>
+            <a:tailEnd type="triangle"/>
+          </a:ln>
+        </p:spPr>
+        <p:style>
+          <a:lnRef idx="1">
+            <a:schemeClr val="accent1"/>
+          </a:lnRef>
+          <a:fillRef idx="0">
+            <a:schemeClr val="accent1"/>
+          </a:fillRef>
+          <a:effectRef idx="0">
+            <a:schemeClr val="accent1"/>
+          </a:effectRef>
+          <a:fontRef idx="minor">
+            <a:schemeClr val="tx1"/>
+          </a:fontRef>
+        </p:style>
+      </p:cxnSp>
+      <p:cxnSp>
+        <p:nvCxnSpPr>
+          <p:cNvPr id="29" name="Straight Arrow Connector 28">
+            <a:extLst>
+              <a:ext uri="{FF2B5EF4-FFF2-40B4-BE49-F238E27FC236}">
+                <a16:creationId xmlns:a16="http://schemas.microsoft.com/office/drawing/2014/main" id="{33BFF24E-72B4-4D4A-B38D-561FB5A65254}"/>
+              </a:ext>
+            </a:extLst>
+          </p:cNvPr>
+          <p:cNvCxnSpPr>
+            <a:cxnSpLocks/>
+            <a:endCxn id="24" idx="0"/>
+          </p:cNvCxnSpPr>
+          <p:nvPr/>
+        </p:nvCxnSpPr>
+        <p:spPr>
+          <a:xfrm>
+            <a:off x="763480" y="3605121"/>
+            <a:ext cx="0" cy="940246"/>
+          </a:xfrm>
+          <a:prstGeom prst="straightConnector1">
+            <a:avLst/>
+          </a:prstGeom>
+          <a:ln>
+            <a:tailEnd type="triangle"/>
+          </a:ln>
+        </p:spPr>
+        <p:style>
+          <a:lnRef idx="1">
+            <a:schemeClr val="accent1"/>
+          </a:lnRef>
+          <a:fillRef idx="0">
+            <a:schemeClr val="accent1"/>
+          </a:fillRef>
+          <a:effectRef idx="0">
+            <a:schemeClr val="accent1"/>
+          </a:effectRef>
+          <a:fontRef idx="minor">
+            <a:schemeClr val="tx1"/>
+          </a:fontRef>
+        </p:style>
+      </p:cxnSp>
+      <p:sp>
+        <p:nvSpPr>
+          <p:cNvPr id="31" name="TextBox 30">
+            <a:extLst>
+              <a:ext uri="{FF2B5EF4-FFF2-40B4-BE49-F238E27FC236}">
+                <a16:creationId xmlns:a16="http://schemas.microsoft.com/office/drawing/2014/main" id="{29427CDA-ADD0-4827-B642-CC3AC6FC44AB}"/>
+              </a:ext>
+            </a:extLst>
+          </p:cNvPr>
+          <p:cNvSpPr txBox="1"/>
+          <p:nvPr/>
+        </p:nvSpPr>
+        <p:spPr>
+          <a:xfrm>
+            <a:off x="718361" y="4069451"/>
+            <a:ext cx="652936" cy="369332"/>
+          </a:xfrm>
+          <a:prstGeom prst="rect">
+            <a:avLst/>
+          </a:prstGeom>
+          <a:noFill/>
+        </p:spPr>
+        <p:txBody>
+          <a:bodyPr wrap="none" rtlCol="0">
+            <a:spAutoFit/>
+          </a:bodyPr>
+          <a:lstStyle/>
+          <a:p>
+            <a:r>
+              <a:rPr lang="en-US" dirty="0"/>
+              <a:t>False</a:t>
+            </a:r>
+          </a:p>
+        </p:txBody>
+      </p:sp>
+      <p:sp>
+        <p:nvSpPr>
+          <p:cNvPr id="34" name="Rectangle 33">
+            <a:extLst>
+              <a:ext uri="{FF2B5EF4-FFF2-40B4-BE49-F238E27FC236}">
+                <a16:creationId xmlns:a16="http://schemas.microsoft.com/office/drawing/2014/main" id="{9A1B7545-3B64-4FF0-9892-5DDA179A0BFF}"/>
+              </a:ext>
+            </a:extLst>
+          </p:cNvPr>
+          <p:cNvSpPr/>
+          <p:nvPr/>
+        </p:nvSpPr>
+        <p:spPr>
+          <a:xfrm>
+            <a:off x="5175681" y="4108487"/>
+            <a:ext cx="1225115" cy="541573"/>
+          </a:xfrm>
+          <a:prstGeom prst="rect">
+            <a:avLst/>
+          </a:prstGeom>
+        </p:spPr>
+        <p:style>
+          <a:lnRef idx="2">
+            <a:schemeClr val="accent1">
+              <a:shade val="50000"/>
+            </a:schemeClr>
+          </a:lnRef>
+          <a:fillRef idx="1">
+            <a:schemeClr val="accent1"/>
+          </a:fillRef>
+          <a:effectRef idx="0">
+            <a:schemeClr val="accent1"/>
+          </a:effectRef>
+          <a:fontRef idx="minor">
+            <a:schemeClr val="lt1"/>
+          </a:fontRef>
+        </p:style>
+        <p:txBody>
+          <a:bodyPr rtlCol="0" anchor="ctr"/>
+          <a:lstStyle/>
+          <a:p>
+            <a:pPr algn="ctr"/>
+            <a:r>
+              <a:rPr lang="en-US" dirty="0"/>
+              <a:t>Call Register()</a:t>
+            </a:r>
+          </a:p>
+        </p:txBody>
+      </p:sp>
+      <p:sp>
+        <p:nvSpPr>
+          <p:cNvPr id="35" name="Rectangle 34">
+            <a:extLst>
+              <a:ext uri="{FF2B5EF4-FFF2-40B4-BE49-F238E27FC236}">
+                <a16:creationId xmlns:a16="http://schemas.microsoft.com/office/drawing/2014/main" id="{7D5460B2-BA3F-4316-8815-B53AABB21B61}"/>
+              </a:ext>
+            </a:extLst>
+          </p:cNvPr>
+          <p:cNvSpPr/>
+          <p:nvPr/>
+        </p:nvSpPr>
+        <p:spPr>
+          <a:xfrm>
+            <a:off x="5169491" y="3341190"/>
+            <a:ext cx="1225115" cy="541573"/>
+          </a:xfrm>
+          <a:prstGeom prst="rect">
+            <a:avLst/>
+          </a:prstGeom>
+        </p:spPr>
+        <p:style>
+          <a:lnRef idx="2">
+            <a:schemeClr val="accent1">
+              <a:shade val="50000"/>
+            </a:schemeClr>
+          </a:lnRef>
+          <a:fillRef idx="1">
+            <a:schemeClr val="accent1"/>
+          </a:fillRef>
+          <a:effectRef idx="0">
+            <a:schemeClr val="accent1"/>
+          </a:effectRef>
+          <a:fontRef idx="minor">
+            <a:schemeClr val="lt1"/>
+          </a:fontRef>
+        </p:style>
+        <p:txBody>
+          <a:bodyPr rtlCol="0" anchor="ctr"/>
+          <a:lstStyle/>
+          <a:p>
+            <a:pPr algn="ctr"/>
+            <a:r>
+              <a:rPr lang="en-US" dirty="0"/>
+              <a:t>Click Register</a:t>
+            </a:r>
+          </a:p>
+        </p:txBody>
+      </p:sp>
+      <p:cxnSp>
+        <p:nvCxnSpPr>
+          <p:cNvPr id="39" name="Straight Arrow Connector 38">
+            <a:extLst>
+              <a:ext uri="{FF2B5EF4-FFF2-40B4-BE49-F238E27FC236}">
+                <a16:creationId xmlns:a16="http://schemas.microsoft.com/office/drawing/2014/main" id="{CA45B876-D73F-45EA-9733-0E3E07AE2BAB}"/>
+              </a:ext>
+            </a:extLst>
+          </p:cNvPr>
+          <p:cNvCxnSpPr>
+            <a:stCxn id="3" idx="6"/>
+            <a:endCxn id="35" idx="1"/>
+          </p:cNvCxnSpPr>
+          <p:nvPr/>
+        </p:nvCxnSpPr>
+        <p:spPr>
+          <a:xfrm>
+            <a:off x="3306228" y="3605121"/>
+            <a:ext cx="1863263" cy="6856"/>
+          </a:xfrm>
+          <a:prstGeom prst="straightConnector1">
+            <a:avLst/>
+          </a:prstGeom>
+          <a:ln>
+            <a:tailEnd type="triangle"/>
+          </a:ln>
+        </p:spPr>
+        <p:style>
+          <a:lnRef idx="1">
+            <a:schemeClr val="accent1"/>
+          </a:lnRef>
+          <a:fillRef idx="0">
+            <a:schemeClr val="accent1"/>
+          </a:fillRef>
+          <a:effectRef idx="0">
+            <a:schemeClr val="accent1"/>
+          </a:effectRef>
+          <a:fontRef idx="minor">
+            <a:schemeClr val="tx1"/>
+          </a:fontRef>
+        </p:style>
+      </p:cxnSp>
+      <p:cxnSp>
+        <p:nvCxnSpPr>
+          <p:cNvPr id="41" name="Straight Arrow Connector 40">
+            <a:extLst>
+              <a:ext uri="{FF2B5EF4-FFF2-40B4-BE49-F238E27FC236}">
+                <a16:creationId xmlns:a16="http://schemas.microsoft.com/office/drawing/2014/main" id="{3E76BAD9-A0CF-49F7-B2DB-89CADC6EB3A9}"/>
+              </a:ext>
+            </a:extLst>
+          </p:cNvPr>
+          <p:cNvCxnSpPr>
+            <a:stCxn id="35" idx="2"/>
+            <a:endCxn id="34" idx="0"/>
+          </p:cNvCxnSpPr>
+          <p:nvPr/>
+        </p:nvCxnSpPr>
+        <p:spPr>
+          <a:xfrm>
+            <a:off x="5782049" y="3882763"/>
+            <a:ext cx="6190" cy="225724"/>
+          </a:xfrm>
+          <a:prstGeom prst="straightConnector1">
+            <a:avLst/>
+          </a:prstGeom>
+          <a:ln>
+            <a:tailEnd type="triangle"/>
+          </a:ln>
+        </p:spPr>
+        <p:style>
+          <a:lnRef idx="1">
+            <a:schemeClr val="accent1"/>
+          </a:lnRef>
+          <a:fillRef idx="0">
+            <a:schemeClr val="accent1"/>
+          </a:fillRef>
+          <a:effectRef idx="0">
+            <a:schemeClr val="accent1"/>
+          </a:effectRef>
+          <a:fontRef idx="minor">
+            <a:schemeClr val="tx1"/>
+          </a:fontRef>
+        </p:style>
+      </p:cxnSp>
+      <p:cxnSp>
+        <p:nvCxnSpPr>
+          <p:cNvPr id="44" name="Straight Arrow Connector 43">
+            <a:extLst>
+              <a:ext uri="{FF2B5EF4-FFF2-40B4-BE49-F238E27FC236}">
+                <a16:creationId xmlns:a16="http://schemas.microsoft.com/office/drawing/2014/main" id="{03F4E049-0976-42A4-BACB-FC55BC561A5B}"/>
+              </a:ext>
+            </a:extLst>
+          </p:cNvPr>
+          <p:cNvCxnSpPr>
+            <a:cxnSpLocks/>
+            <a:stCxn id="8" idx="1"/>
+          </p:cNvCxnSpPr>
+          <p:nvPr/>
+        </p:nvCxnSpPr>
+        <p:spPr>
+          <a:xfrm flipH="1" flipV="1">
+            <a:off x="5788238" y="2681056"/>
+            <a:ext cx="1873189" cy="1"/>
+          </a:xfrm>
+          <a:prstGeom prst="straightConnector1">
+            <a:avLst/>
+          </a:prstGeom>
+          <a:ln>
+            <a:tailEnd type="triangle"/>
+          </a:ln>
+        </p:spPr>
+        <p:style>
+          <a:lnRef idx="1">
+            <a:schemeClr val="accent1"/>
+          </a:lnRef>
+          <a:fillRef idx="0">
+            <a:schemeClr val="accent1"/>
+          </a:fillRef>
+          <a:effectRef idx="0">
+            <a:schemeClr val="accent1"/>
+          </a:effectRef>
+          <a:fontRef idx="minor">
+            <a:schemeClr val="tx1"/>
+          </a:fontRef>
+        </p:style>
+      </p:cxnSp>
+      <p:cxnSp>
+        <p:nvCxnSpPr>
+          <p:cNvPr id="46" name="Straight Arrow Connector 45">
+            <a:extLst>
+              <a:ext uri="{FF2B5EF4-FFF2-40B4-BE49-F238E27FC236}">
+                <a16:creationId xmlns:a16="http://schemas.microsoft.com/office/drawing/2014/main" id="{01ECC3D4-0A16-46EF-8C17-39477BA3E716}"/>
+              </a:ext>
+            </a:extLst>
+          </p:cNvPr>
+          <p:cNvCxnSpPr>
+            <a:cxnSpLocks/>
+            <a:endCxn id="35" idx="0"/>
+          </p:cNvCxnSpPr>
+          <p:nvPr/>
+        </p:nvCxnSpPr>
+        <p:spPr>
+          <a:xfrm>
+            <a:off x="5782047" y="2678179"/>
+            <a:ext cx="2" cy="663011"/>
+          </a:xfrm>
+          <a:prstGeom prst="straightConnector1">
+            <a:avLst/>
+          </a:prstGeom>
+          <a:ln>
+            <a:tailEnd type="triangle"/>
+          </a:ln>
+        </p:spPr>
+        <p:style>
+          <a:lnRef idx="1">
+            <a:schemeClr val="accent1"/>
+          </a:lnRef>
+          <a:fillRef idx="0">
+            <a:schemeClr val="accent1"/>
+          </a:fillRef>
+          <a:effectRef idx="0">
+            <a:schemeClr val="accent1"/>
+          </a:effectRef>
+          <a:fontRef idx="minor">
+            <a:schemeClr val="tx1"/>
+          </a:fontRef>
+        </p:style>
+      </p:cxnSp>
+      <p:cxnSp>
+        <p:nvCxnSpPr>
+          <p:cNvPr id="55" name="Straight Arrow Connector 54">
+            <a:extLst>
+              <a:ext uri="{FF2B5EF4-FFF2-40B4-BE49-F238E27FC236}">
+                <a16:creationId xmlns:a16="http://schemas.microsoft.com/office/drawing/2014/main" id="{BDCECA73-8FEC-425F-A0BC-27EDB3280A10}"/>
+              </a:ext>
+            </a:extLst>
+          </p:cNvPr>
+          <p:cNvCxnSpPr>
+            <a:stCxn id="34" idx="2"/>
+            <a:endCxn id="27" idx="0"/>
+          </p:cNvCxnSpPr>
+          <p:nvPr/>
+        </p:nvCxnSpPr>
+        <p:spPr>
+          <a:xfrm flipH="1">
+            <a:off x="5782047" y="4650060"/>
+            <a:ext cx="6192" cy="1190311"/>
+          </a:xfrm>
+          <a:prstGeom prst="straightConnector1">
+            <a:avLst/>
+          </a:prstGeom>
+          <a:ln>
+            <a:tailEnd type="triangle"/>
+          </a:ln>
+        </p:spPr>
+        <p:style>
+          <a:lnRef idx="1">
+            <a:schemeClr val="accent1"/>
+          </a:lnRef>
+          <a:fillRef idx="0">
+            <a:schemeClr val="accent1"/>
+          </a:fillRef>
+          <a:effectRef idx="0">
+            <a:schemeClr val="accent1"/>
+          </a:effectRef>
+          <a:fontRef idx="minor">
+            <a:schemeClr val="tx1"/>
+          </a:fontRef>
+        </p:style>
+      </p:cxnSp>
+      <p:cxnSp>
+        <p:nvCxnSpPr>
+          <p:cNvPr id="28" name="Straight Arrow Connector 27">
+            <a:extLst>
+              <a:ext uri="{FF2B5EF4-FFF2-40B4-BE49-F238E27FC236}">
+                <a16:creationId xmlns:a16="http://schemas.microsoft.com/office/drawing/2014/main" id="{02E472C3-23CB-4F86-900E-35F8F263FC49}"/>
+              </a:ext>
+            </a:extLst>
+          </p:cNvPr>
+          <p:cNvCxnSpPr/>
+          <p:nvPr/>
+        </p:nvCxnSpPr>
+        <p:spPr>
+          <a:xfrm>
+            <a:off x="763480" y="4980373"/>
+            <a:ext cx="0" cy="1109531"/>
+          </a:xfrm>
+          <a:prstGeom prst="straightConnector1">
+            <a:avLst/>
+          </a:prstGeom>
+          <a:ln>
+            <a:tailEnd type="triangle"/>
+          </a:ln>
+        </p:spPr>
+        <p:style>
+          <a:lnRef idx="1">
+            <a:schemeClr val="accent1"/>
+          </a:lnRef>
+          <a:fillRef idx="0">
+            <a:schemeClr val="accent1"/>
+          </a:fillRef>
+          <a:effectRef idx="0">
+            <a:schemeClr val="accent1"/>
+          </a:effectRef>
+          <a:fontRef idx="minor">
+            <a:schemeClr val="tx1"/>
+          </a:fontRef>
+        </p:style>
+      </p:cxnSp>
+      <p:cxnSp>
+        <p:nvCxnSpPr>
+          <p:cNvPr id="30" name="Straight Arrow Connector 29">
+            <a:extLst>
+              <a:ext uri="{FF2B5EF4-FFF2-40B4-BE49-F238E27FC236}">
+                <a16:creationId xmlns:a16="http://schemas.microsoft.com/office/drawing/2014/main" id="{8950DCDE-4F9A-4D78-B5B2-DF47CA76ED14}"/>
+              </a:ext>
+            </a:extLst>
+          </p:cNvPr>
+          <p:cNvCxnSpPr/>
+          <p:nvPr/>
+        </p:nvCxnSpPr>
+        <p:spPr>
+          <a:xfrm>
+            <a:off x="763480" y="6080760"/>
+            <a:ext cx="4370497" cy="418"/>
+          </a:xfrm>
+          <a:prstGeom prst="straightConnector1">
+            <a:avLst/>
+          </a:prstGeom>
+          <a:ln>
+            <a:tailEnd type="triangle"/>
+          </a:ln>
+        </p:spPr>
+        <p:style>
+          <a:lnRef idx="1">
+            <a:schemeClr val="accent1"/>
+          </a:lnRef>
+          <a:fillRef idx="0">
+            <a:schemeClr val="accent1"/>
+          </a:fillRef>
+          <a:effectRef idx="0">
+            <a:schemeClr val="accent1"/>
+          </a:effectRef>
+          <a:fontRef idx="minor">
+            <a:schemeClr val="tx1"/>
+          </a:fontRef>
+        </p:style>
+      </p:cxnSp>
     </p:spTree>
     <p:extLst>
       <p:ext uri="{BB962C8B-B14F-4D97-AF65-F5344CB8AC3E}">
-        <p14:creationId xmlns:p14="http://schemas.microsoft.com/office/powerpoint/2010/main" val="2033675326"/>
+        <p14:creationId xmlns:p14="http://schemas.microsoft.com/office/powerpoint/2010/main" val="3747830835"/>
       </p:ext>
     </p:extLst>
   </p:cSld>
@@ -4537,22 +5720,6 @@
           <a:p>
             <a:pPr algn="ctr"/>
             <a:r>
-              <a:rPr lang="en-US" sz="5400" b="0" cap="none" spc="0" dirty="0" err="1">
-                <a:ln w="0"/>
-                <a:solidFill>
-                  <a:schemeClr val="accent1"/>
-                </a:solidFill>
-                <a:effectLst>
-                  <a:outerShdw blurRad="38100" dist="25400" dir="5400000" algn="ctr" rotWithShape="0">
-                    <a:srgbClr val="6E747A">
-                      <a:alpha val="43000"/>
-                    </a:srgbClr>
-                  </a:outerShdw>
-                </a:effectLst>
-              </a:rPr>
-              <a:t>ngOnInit</a:t>
-            </a:r>
-            <a:r>
               <a:rPr lang="en-US" sz="5400" b="0" cap="none" spc="0" dirty="0">
                 <a:ln w="0"/>
                 <a:solidFill>
@@ -4566,473 +5733,15 @@
                   </a:outerShdw>
                 </a:effectLst>
               </a:rPr>
-              <a:t>()</a:t>
-            </a:r>
-          </a:p>
-        </p:txBody>
-      </p:sp>
-      <p:sp>
-        <p:nvSpPr>
-          <p:cNvPr id="3" name="Rectangle 2">
-            <a:extLst>
-              <a:ext uri="{FF2B5EF4-FFF2-40B4-BE49-F238E27FC236}">
-                <a16:creationId xmlns:a16="http://schemas.microsoft.com/office/drawing/2014/main" id="{873403AC-2D79-4021-8183-C0894B5E9EB6}"/>
-              </a:ext>
-            </a:extLst>
-          </p:cNvPr>
-          <p:cNvSpPr/>
-          <p:nvPr/>
-        </p:nvSpPr>
-        <p:spPr>
-          <a:xfrm>
-            <a:off x="5000818" y="682523"/>
-            <a:ext cx="1296139" cy="481614"/>
-          </a:xfrm>
-          <a:prstGeom prst="rect">
-            <a:avLst/>
-          </a:prstGeom>
-        </p:spPr>
-        <p:style>
-          <a:lnRef idx="2">
-            <a:schemeClr val="accent6">
-              <a:shade val="50000"/>
-            </a:schemeClr>
-          </a:lnRef>
-          <a:fillRef idx="1">
-            <a:schemeClr val="accent6"/>
-          </a:fillRef>
-          <a:effectRef idx="0">
-            <a:schemeClr val="accent6"/>
-          </a:effectRef>
-          <a:fontRef idx="minor">
-            <a:schemeClr val="lt1"/>
-          </a:fontRef>
-        </p:style>
-        <p:txBody>
-          <a:bodyPr rtlCol="0" anchor="ctr"/>
-          <a:lstStyle/>
-          <a:p>
-            <a:pPr algn="ctr"/>
-            <a:r>
-              <a:rPr lang="en-US" dirty="0"/>
-              <a:t>START</a:t>
-            </a:r>
-          </a:p>
-        </p:txBody>
-      </p:sp>
-      <p:sp>
-        <p:nvSpPr>
-          <p:cNvPr id="2" name="Rectangle 1">
-            <a:extLst>
-              <a:ext uri="{FF2B5EF4-FFF2-40B4-BE49-F238E27FC236}">
-                <a16:creationId xmlns:a16="http://schemas.microsoft.com/office/drawing/2014/main" id="{B0584D9C-E131-4D37-BE63-A83748FE0B98}"/>
-              </a:ext>
-            </a:extLst>
-          </p:cNvPr>
-          <p:cNvSpPr/>
-          <p:nvPr/>
-        </p:nvSpPr>
-        <p:spPr>
-          <a:xfrm>
-            <a:off x="4944457" y="1703948"/>
-            <a:ext cx="1408860" cy="639192"/>
-          </a:xfrm>
-          <a:prstGeom prst="rect">
-            <a:avLst/>
-          </a:prstGeom>
-        </p:spPr>
-        <p:style>
-          <a:lnRef idx="2">
-            <a:schemeClr val="accent1">
-              <a:shade val="50000"/>
-            </a:schemeClr>
-          </a:lnRef>
-          <a:fillRef idx="1">
-            <a:schemeClr val="accent1"/>
-          </a:fillRef>
-          <a:effectRef idx="0">
-            <a:schemeClr val="accent1"/>
-          </a:effectRef>
-          <a:fontRef idx="minor">
-            <a:schemeClr val="lt1"/>
-          </a:fontRef>
-        </p:style>
-        <p:txBody>
-          <a:bodyPr rtlCol="0" anchor="ctr"/>
-          <a:lstStyle/>
-          <a:p>
-            <a:pPr algn="ctr"/>
-            <a:r>
-              <a:rPr lang="en-US" dirty="0"/>
-              <a:t>Create login Form</a:t>
-            </a:r>
-          </a:p>
-        </p:txBody>
-      </p:sp>
-      <p:sp>
-        <p:nvSpPr>
-          <p:cNvPr id="5" name="TextBox 4">
-            <a:extLst>
-              <a:ext uri="{FF2B5EF4-FFF2-40B4-BE49-F238E27FC236}">
-                <a16:creationId xmlns:a16="http://schemas.microsoft.com/office/drawing/2014/main" id="{68C02205-7605-441F-BCB1-26B1E0997CFA}"/>
-              </a:ext>
-            </a:extLst>
-          </p:cNvPr>
-          <p:cNvSpPr txBox="1"/>
-          <p:nvPr/>
-        </p:nvSpPr>
-        <p:spPr>
-          <a:xfrm>
-            <a:off x="6835096" y="1690716"/>
-            <a:ext cx="2402645" cy="646331"/>
-          </a:xfrm>
-          <a:prstGeom prst="rect">
-            <a:avLst/>
-          </a:prstGeom>
-          <a:noFill/>
-        </p:spPr>
-        <p:txBody>
-          <a:bodyPr wrap="none" rtlCol="0">
-            <a:spAutoFit/>
-          </a:bodyPr>
-          <a:lstStyle/>
-          <a:p>
-            <a:pPr marL="285750" indent="-285750">
-              <a:buFontTx/>
-              <a:buChar char="-"/>
-            </a:pPr>
-            <a:r>
-              <a:rPr lang="en-US" dirty="0"/>
-              <a:t>Create list username</a:t>
-            </a:r>
-          </a:p>
-          <a:p>
-            <a:pPr marL="285750" indent="-285750">
-              <a:buFontTx/>
-              <a:buChar char="-"/>
-            </a:pPr>
-            <a:r>
-              <a:rPr lang="en-US" dirty="0"/>
-              <a:t>Create list password</a:t>
-            </a:r>
-          </a:p>
-        </p:txBody>
-      </p:sp>
-      <p:cxnSp>
-        <p:nvCxnSpPr>
-          <p:cNvPr id="7" name="Straight Arrow Connector 6">
-            <a:extLst>
-              <a:ext uri="{FF2B5EF4-FFF2-40B4-BE49-F238E27FC236}">
-                <a16:creationId xmlns:a16="http://schemas.microsoft.com/office/drawing/2014/main" id="{6F692542-8D24-468C-A55A-5D3773C58913}"/>
-              </a:ext>
-            </a:extLst>
-          </p:cNvPr>
-          <p:cNvCxnSpPr>
-            <a:stCxn id="2" idx="3"/>
-            <a:endCxn id="5" idx="1"/>
-          </p:cNvCxnSpPr>
-          <p:nvPr/>
-        </p:nvCxnSpPr>
-        <p:spPr>
-          <a:xfrm flipV="1">
-            <a:off x="6353317" y="2013882"/>
-            <a:ext cx="481779" cy="9662"/>
-          </a:xfrm>
-          <a:prstGeom prst="straightConnector1">
-            <a:avLst/>
-          </a:prstGeom>
-          <a:ln>
-            <a:prstDash val="dashDot"/>
-            <a:tailEnd type="triangle"/>
-          </a:ln>
-        </p:spPr>
-        <p:style>
-          <a:lnRef idx="1">
-            <a:schemeClr val="accent1"/>
-          </a:lnRef>
-          <a:fillRef idx="0">
-            <a:schemeClr val="accent1"/>
-          </a:fillRef>
-          <a:effectRef idx="0">
-            <a:schemeClr val="accent1"/>
-          </a:effectRef>
-          <a:fontRef idx="minor">
-            <a:schemeClr val="tx1"/>
-          </a:fontRef>
-        </p:style>
-      </p:cxnSp>
-      <p:sp>
-        <p:nvSpPr>
-          <p:cNvPr id="8" name="Rectangle 7">
-            <a:extLst>
-              <a:ext uri="{FF2B5EF4-FFF2-40B4-BE49-F238E27FC236}">
-                <a16:creationId xmlns:a16="http://schemas.microsoft.com/office/drawing/2014/main" id="{024FF58C-A66A-404F-B07C-7AF9568C0A91}"/>
-              </a:ext>
-            </a:extLst>
-          </p:cNvPr>
-          <p:cNvSpPr/>
-          <p:nvPr/>
-        </p:nvSpPr>
-        <p:spPr>
-          <a:xfrm>
-            <a:off x="2873683" y="2876858"/>
-            <a:ext cx="5550408" cy="836116"/>
-          </a:xfrm>
-          <a:prstGeom prst="rect">
-            <a:avLst/>
-          </a:prstGeom>
-        </p:spPr>
-        <p:style>
-          <a:lnRef idx="2">
-            <a:schemeClr val="accent1">
-              <a:shade val="50000"/>
-            </a:schemeClr>
-          </a:lnRef>
-          <a:fillRef idx="1">
-            <a:schemeClr val="accent1"/>
-          </a:fillRef>
-          <a:effectRef idx="0">
-            <a:schemeClr val="accent1"/>
-          </a:effectRef>
-          <a:fontRef idx="minor">
-            <a:schemeClr val="lt1"/>
-          </a:fontRef>
-        </p:style>
-        <p:txBody>
-          <a:bodyPr rtlCol="0" anchor="ctr"/>
-          <a:lstStyle/>
-          <a:p>
-            <a:pPr algn="ctr"/>
-            <a:r>
-              <a:rPr lang="en-US" dirty="0"/>
-              <a:t>get return </a:t>
-            </a:r>
-            <a:r>
-              <a:rPr lang="en-US" dirty="0" err="1"/>
-              <a:t>url</a:t>
-            </a:r>
-            <a:r>
-              <a:rPr lang="en-US" dirty="0"/>
-              <a:t> from route parameters or default to '/'</a:t>
-            </a:r>
-          </a:p>
-        </p:txBody>
-      </p:sp>
-      <p:sp>
-        <p:nvSpPr>
-          <p:cNvPr id="11" name="TextBox 10">
-            <a:extLst>
-              <a:ext uri="{FF2B5EF4-FFF2-40B4-BE49-F238E27FC236}">
-                <a16:creationId xmlns:a16="http://schemas.microsoft.com/office/drawing/2014/main" id="{6F79CE70-E478-4EB5-AD17-B0E509694F3F}"/>
-              </a:ext>
-            </a:extLst>
-          </p:cNvPr>
-          <p:cNvSpPr txBox="1"/>
-          <p:nvPr/>
-        </p:nvSpPr>
-        <p:spPr>
-          <a:xfrm>
-            <a:off x="2642616" y="3859009"/>
-            <a:ext cx="6472926" cy="369332"/>
-          </a:xfrm>
-          <a:prstGeom prst="rect">
-            <a:avLst/>
-          </a:prstGeom>
-          <a:noFill/>
-        </p:spPr>
-        <p:txBody>
-          <a:bodyPr wrap="none" rtlCol="0">
-            <a:spAutoFit/>
-          </a:bodyPr>
-          <a:lstStyle/>
-          <a:p>
-            <a:r>
-              <a:rPr lang="en-US"/>
-              <a:t>this.returnUrl = this.route.snapshot.queryParams['returnUrl'] || '/';</a:t>
-            </a:r>
-            <a:endParaRPr lang="en-US" dirty="0"/>
-          </a:p>
-        </p:txBody>
-      </p:sp>
-      <p:sp>
-        <p:nvSpPr>
-          <p:cNvPr id="12" name="Rectangle 11">
-            <a:extLst>
-              <a:ext uri="{FF2B5EF4-FFF2-40B4-BE49-F238E27FC236}">
-                <a16:creationId xmlns:a16="http://schemas.microsoft.com/office/drawing/2014/main" id="{7E02810A-07AA-49F5-A1AD-890350C64285}"/>
-              </a:ext>
-            </a:extLst>
-          </p:cNvPr>
-          <p:cNvSpPr/>
-          <p:nvPr/>
-        </p:nvSpPr>
-        <p:spPr>
-          <a:xfrm>
-            <a:off x="5000818" y="5172509"/>
-            <a:ext cx="1296139" cy="481614"/>
-          </a:xfrm>
-          <a:prstGeom prst="rect">
-            <a:avLst/>
-          </a:prstGeom>
-        </p:spPr>
-        <p:style>
-          <a:lnRef idx="2">
-            <a:schemeClr val="accent6">
-              <a:shade val="50000"/>
-            </a:schemeClr>
-          </a:lnRef>
-          <a:fillRef idx="1">
-            <a:schemeClr val="accent6"/>
-          </a:fillRef>
-          <a:effectRef idx="0">
-            <a:schemeClr val="accent6"/>
-          </a:effectRef>
-          <a:fontRef idx="minor">
-            <a:schemeClr val="lt1"/>
-          </a:fontRef>
-        </p:style>
-        <p:txBody>
-          <a:bodyPr rtlCol="0" anchor="ctr"/>
-          <a:lstStyle/>
-          <a:p>
-            <a:pPr algn="ctr"/>
-            <a:r>
-              <a:rPr lang="en-US" dirty="0"/>
-              <a:t>END</a:t>
-            </a:r>
-          </a:p>
-        </p:txBody>
-      </p:sp>
-      <p:cxnSp>
-        <p:nvCxnSpPr>
-          <p:cNvPr id="14" name="Straight Arrow Connector 13">
-            <a:extLst>
-              <a:ext uri="{FF2B5EF4-FFF2-40B4-BE49-F238E27FC236}">
-                <a16:creationId xmlns:a16="http://schemas.microsoft.com/office/drawing/2014/main" id="{B53C9220-9E44-41C8-9AA4-09F160F73D77}"/>
-              </a:ext>
-            </a:extLst>
-          </p:cNvPr>
-          <p:cNvCxnSpPr>
-            <a:stCxn id="3" idx="2"/>
-            <a:endCxn id="2" idx="0"/>
-          </p:cNvCxnSpPr>
-          <p:nvPr/>
-        </p:nvCxnSpPr>
-        <p:spPr>
-          <a:xfrm flipH="1">
-            <a:off x="5648887" y="1164137"/>
-            <a:ext cx="1" cy="539811"/>
-          </a:xfrm>
-          <a:prstGeom prst="straightConnector1">
-            <a:avLst/>
-          </a:prstGeom>
-          <a:ln>
-            <a:tailEnd type="triangle"/>
-          </a:ln>
-        </p:spPr>
-        <p:style>
-          <a:lnRef idx="1">
-            <a:schemeClr val="accent1"/>
-          </a:lnRef>
-          <a:fillRef idx="0">
-            <a:schemeClr val="accent1"/>
-          </a:fillRef>
-          <a:effectRef idx="0">
-            <a:schemeClr val="accent1"/>
-          </a:effectRef>
-          <a:fontRef idx="minor">
-            <a:schemeClr val="tx1"/>
-          </a:fontRef>
-        </p:style>
-      </p:cxnSp>
-      <p:cxnSp>
-        <p:nvCxnSpPr>
-          <p:cNvPr id="18" name="Straight Arrow Connector 17">
-            <a:extLst>
-              <a:ext uri="{FF2B5EF4-FFF2-40B4-BE49-F238E27FC236}">
-                <a16:creationId xmlns:a16="http://schemas.microsoft.com/office/drawing/2014/main" id="{D092E4C3-D8CC-432A-8B92-328C172BB121}"/>
-              </a:ext>
-            </a:extLst>
-          </p:cNvPr>
-          <p:cNvCxnSpPr>
-            <a:stCxn id="2" idx="2"/>
-            <a:endCxn id="8" idx="0"/>
-          </p:cNvCxnSpPr>
-          <p:nvPr/>
-        </p:nvCxnSpPr>
-        <p:spPr>
-          <a:xfrm>
-            <a:off x="5648887" y="2343140"/>
-            <a:ext cx="0" cy="533718"/>
-          </a:xfrm>
-          <a:prstGeom prst="straightConnector1">
-            <a:avLst/>
-          </a:prstGeom>
-          <a:ln>
-            <a:tailEnd type="triangle"/>
-          </a:ln>
-        </p:spPr>
-        <p:style>
-          <a:lnRef idx="1">
-            <a:schemeClr val="accent1"/>
-          </a:lnRef>
-          <a:fillRef idx="0">
-            <a:schemeClr val="accent1"/>
-          </a:fillRef>
-          <a:effectRef idx="0">
-            <a:schemeClr val="accent1"/>
-          </a:effectRef>
-          <a:fontRef idx="minor">
-            <a:schemeClr val="tx1"/>
-          </a:fontRef>
-        </p:style>
-      </p:cxnSp>
-      <p:cxnSp>
-        <p:nvCxnSpPr>
-          <p:cNvPr id="21" name="Straight Arrow Connector 20">
-            <a:extLst>
-              <a:ext uri="{FF2B5EF4-FFF2-40B4-BE49-F238E27FC236}">
-                <a16:creationId xmlns:a16="http://schemas.microsoft.com/office/drawing/2014/main" id="{7A48E7BD-D01F-4463-9ED1-93B9C1E90563}"/>
-              </a:ext>
-            </a:extLst>
-          </p:cNvPr>
-          <p:cNvCxnSpPr>
-            <a:stCxn id="8" idx="2"/>
-            <a:endCxn id="12" idx="0"/>
-          </p:cNvCxnSpPr>
-          <p:nvPr/>
-        </p:nvCxnSpPr>
-        <p:spPr>
-          <a:xfrm>
-            <a:off x="5648887" y="3712974"/>
-            <a:ext cx="1" cy="1459535"/>
-          </a:xfrm>
-          <a:prstGeom prst="straightConnector1">
-            <a:avLst/>
-          </a:prstGeom>
-          <a:ln>
-            <a:tailEnd type="triangle"/>
-          </a:ln>
-        </p:spPr>
-        <p:style>
-          <a:lnRef idx="1">
-            <a:schemeClr val="accent1"/>
-          </a:lnRef>
-          <a:fillRef idx="0">
-            <a:schemeClr val="accent1"/>
-          </a:fillRef>
-          <a:effectRef idx="0">
-            <a:schemeClr val="accent1"/>
-          </a:effectRef>
-          <a:fontRef idx="minor">
-            <a:schemeClr val="tx1"/>
-          </a:fontRef>
-        </p:style>
-      </p:cxnSp>
+              <a:t>Constructor</a:t>
+            </a:r>
+          </a:p>
+        </p:txBody>
+      </p:sp>
     </p:spTree>
     <p:extLst>
       <p:ext uri="{BB962C8B-B14F-4D97-AF65-F5344CB8AC3E}">
-        <p14:creationId xmlns:p14="http://schemas.microsoft.com/office/powerpoint/2010/main" val="1338275587"/>
+        <p14:creationId xmlns:p14="http://schemas.microsoft.com/office/powerpoint/2010/main" val="2033675326"/>
       </p:ext>
     </p:extLst>
   </p:cSld>
@@ -5061,6 +5770,558 @@
       </p:grpSpPr>
       <p:sp>
         <p:nvSpPr>
+          <p:cNvPr id="4" name="Rectangle 3">
+            <a:extLst>
+              <a:ext uri="{FF2B5EF4-FFF2-40B4-BE49-F238E27FC236}">
+                <a16:creationId xmlns:a16="http://schemas.microsoft.com/office/drawing/2014/main" id="{03F8D981-A1C8-419E-8461-8667C48F6E9A}"/>
+              </a:ext>
+            </a:extLst>
+          </p:cNvPr>
+          <p:cNvSpPr/>
+          <p:nvPr/>
+        </p:nvSpPr>
+        <p:spPr>
+          <a:xfrm>
+            <a:off x="0" y="0"/>
+            <a:ext cx="3595456" cy="923330"/>
+          </a:xfrm>
+          <a:prstGeom prst="rect">
+            <a:avLst/>
+          </a:prstGeom>
+          <a:noFill/>
+        </p:spPr>
+        <p:txBody>
+          <a:bodyPr wrap="square" lIns="91440" tIns="45720" rIns="91440" bIns="45720">
+            <a:spAutoFit/>
+          </a:bodyPr>
+          <a:lstStyle/>
+          <a:p>
+            <a:pPr algn="ctr"/>
+            <a:r>
+              <a:rPr lang="en-US" sz="5400" b="0" cap="none" spc="0" dirty="0" err="1">
+                <a:ln w="0"/>
+                <a:solidFill>
+                  <a:schemeClr val="accent1"/>
+                </a:solidFill>
+                <a:effectLst>
+                  <a:outerShdw blurRad="38100" dist="25400" dir="5400000" algn="ctr" rotWithShape="0">
+                    <a:srgbClr val="6E747A">
+                      <a:alpha val="43000"/>
+                    </a:srgbClr>
+                  </a:outerShdw>
+                </a:effectLst>
+              </a:rPr>
+              <a:t>ngOnInit</a:t>
+            </a:r>
+            <a:r>
+              <a:rPr lang="en-US" sz="5400" b="0" cap="none" spc="0" dirty="0">
+                <a:ln w="0"/>
+                <a:solidFill>
+                  <a:schemeClr val="accent1"/>
+                </a:solidFill>
+                <a:effectLst>
+                  <a:outerShdw blurRad="38100" dist="25400" dir="5400000" algn="ctr" rotWithShape="0">
+                    <a:srgbClr val="6E747A">
+                      <a:alpha val="43000"/>
+                    </a:srgbClr>
+                  </a:outerShdw>
+                </a:effectLst>
+              </a:rPr>
+              <a:t>()</a:t>
+            </a:r>
+          </a:p>
+        </p:txBody>
+      </p:sp>
+      <p:sp>
+        <p:nvSpPr>
+          <p:cNvPr id="3" name="Rectangle 2">
+            <a:extLst>
+              <a:ext uri="{FF2B5EF4-FFF2-40B4-BE49-F238E27FC236}">
+                <a16:creationId xmlns:a16="http://schemas.microsoft.com/office/drawing/2014/main" id="{873403AC-2D79-4021-8183-C0894B5E9EB6}"/>
+              </a:ext>
+            </a:extLst>
+          </p:cNvPr>
+          <p:cNvSpPr/>
+          <p:nvPr/>
+        </p:nvSpPr>
+        <p:spPr>
+          <a:xfrm>
+            <a:off x="5000818" y="682523"/>
+            <a:ext cx="1296139" cy="481614"/>
+          </a:xfrm>
+          <a:prstGeom prst="rect">
+            <a:avLst/>
+          </a:prstGeom>
+        </p:spPr>
+        <p:style>
+          <a:lnRef idx="2">
+            <a:schemeClr val="accent6">
+              <a:shade val="50000"/>
+            </a:schemeClr>
+          </a:lnRef>
+          <a:fillRef idx="1">
+            <a:schemeClr val="accent6"/>
+          </a:fillRef>
+          <a:effectRef idx="0">
+            <a:schemeClr val="accent6"/>
+          </a:effectRef>
+          <a:fontRef idx="minor">
+            <a:schemeClr val="lt1"/>
+          </a:fontRef>
+        </p:style>
+        <p:txBody>
+          <a:bodyPr rtlCol="0" anchor="ctr"/>
+          <a:lstStyle/>
+          <a:p>
+            <a:pPr algn="ctr"/>
+            <a:r>
+              <a:rPr lang="en-US" dirty="0"/>
+              <a:t>START</a:t>
+            </a:r>
+          </a:p>
+        </p:txBody>
+      </p:sp>
+      <p:sp>
+        <p:nvSpPr>
+          <p:cNvPr id="2" name="Rectangle 1">
+            <a:extLst>
+              <a:ext uri="{FF2B5EF4-FFF2-40B4-BE49-F238E27FC236}">
+                <a16:creationId xmlns:a16="http://schemas.microsoft.com/office/drawing/2014/main" id="{B0584D9C-E131-4D37-BE63-A83748FE0B98}"/>
+              </a:ext>
+            </a:extLst>
+          </p:cNvPr>
+          <p:cNvSpPr/>
+          <p:nvPr/>
+        </p:nvSpPr>
+        <p:spPr>
+          <a:xfrm>
+            <a:off x="4944457" y="1703948"/>
+            <a:ext cx="1408860" cy="639192"/>
+          </a:xfrm>
+          <a:prstGeom prst="rect">
+            <a:avLst/>
+          </a:prstGeom>
+        </p:spPr>
+        <p:style>
+          <a:lnRef idx="2">
+            <a:schemeClr val="accent1">
+              <a:shade val="50000"/>
+            </a:schemeClr>
+          </a:lnRef>
+          <a:fillRef idx="1">
+            <a:schemeClr val="accent1"/>
+          </a:fillRef>
+          <a:effectRef idx="0">
+            <a:schemeClr val="accent1"/>
+          </a:effectRef>
+          <a:fontRef idx="minor">
+            <a:schemeClr val="lt1"/>
+          </a:fontRef>
+        </p:style>
+        <p:txBody>
+          <a:bodyPr rtlCol="0" anchor="ctr"/>
+          <a:lstStyle/>
+          <a:p>
+            <a:pPr algn="ctr"/>
+            <a:r>
+              <a:rPr lang="en-US" dirty="0"/>
+              <a:t>Create login Form</a:t>
+            </a:r>
+          </a:p>
+        </p:txBody>
+      </p:sp>
+      <p:sp>
+        <p:nvSpPr>
+          <p:cNvPr id="5" name="TextBox 4">
+            <a:extLst>
+              <a:ext uri="{FF2B5EF4-FFF2-40B4-BE49-F238E27FC236}">
+                <a16:creationId xmlns:a16="http://schemas.microsoft.com/office/drawing/2014/main" id="{68C02205-7605-441F-BCB1-26B1E0997CFA}"/>
+              </a:ext>
+            </a:extLst>
+          </p:cNvPr>
+          <p:cNvSpPr txBox="1"/>
+          <p:nvPr/>
+        </p:nvSpPr>
+        <p:spPr>
+          <a:xfrm>
+            <a:off x="6835096" y="1690716"/>
+            <a:ext cx="2402645" cy="646331"/>
+          </a:xfrm>
+          <a:prstGeom prst="rect">
+            <a:avLst/>
+          </a:prstGeom>
+          <a:noFill/>
+        </p:spPr>
+        <p:txBody>
+          <a:bodyPr wrap="none" rtlCol="0">
+            <a:spAutoFit/>
+          </a:bodyPr>
+          <a:lstStyle/>
+          <a:p>
+            <a:pPr marL="285750" indent="-285750">
+              <a:buFontTx/>
+              <a:buChar char="-"/>
+            </a:pPr>
+            <a:r>
+              <a:rPr lang="en-US" dirty="0"/>
+              <a:t>Create list username</a:t>
+            </a:r>
+          </a:p>
+          <a:p>
+            <a:pPr marL="285750" indent="-285750">
+              <a:buFontTx/>
+              <a:buChar char="-"/>
+            </a:pPr>
+            <a:r>
+              <a:rPr lang="en-US" dirty="0"/>
+              <a:t>Create list password</a:t>
+            </a:r>
+          </a:p>
+        </p:txBody>
+      </p:sp>
+      <p:cxnSp>
+        <p:nvCxnSpPr>
+          <p:cNvPr id="7" name="Straight Arrow Connector 6">
+            <a:extLst>
+              <a:ext uri="{FF2B5EF4-FFF2-40B4-BE49-F238E27FC236}">
+                <a16:creationId xmlns:a16="http://schemas.microsoft.com/office/drawing/2014/main" id="{6F692542-8D24-468C-A55A-5D3773C58913}"/>
+              </a:ext>
+            </a:extLst>
+          </p:cNvPr>
+          <p:cNvCxnSpPr>
+            <a:stCxn id="2" idx="3"/>
+            <a:endCxn id="5" idx="1"/>
+          </p:cNvCxnSpPr>
+          <p:nvPr/>
+        </p:nvCxnSpPr>
+        <p:spPr>
+          <a:xfrm flipV="1">
+            <a:off x="6353317" y="2013882"/>
+            <a:ext cx="481779" cy="9662"/>
+          </a:xfrm>
+          <a:prstGeom prst="straightConnector1">
+            <a:avLst/>
+          </a:prstGeom>
+          <a:ln>
+            <a:prstDash val="dashDot"/>
+            <a:tailEnd type="triangle"/>
+          </a:ln>
+        </p:spPr>
+        <p:style>
+          <a:lnRef idx="1">
+            <a:schemeClr val="accent1"/>
+          </a:lnRef>
+          <a:fillRef idx="0">
+            <a:schemeClr val="accent1"/>
+          </a:fillRef>
+          <a:effectRef idx="0">
+            <a:schemeClr val="accent1"/>
+          </a:effectRef>
+          <a:fontRef idx="minor">
+            <a:schemeClr val="tx1"/>
+          </a:fontRef>
+        </p:style>
+      </p:cxnSp>
+      <p:sp>
+        <p:nvSpPr>
+          <p:cNvPr id="8" name="Rectangle 7">
+            <a:extLst>
+              <a:ext uri="{FF2B5EF4-FFF2-40B4-BE49-F238E27FC236}">
+                <a16:creationId xmlns:a16="http://schemas.microsoft.com/office/drawing/2014/main" id="{024FF58C-A66A-404F-B07C-7AF9568C0A91}"/>
+              </a:ext>
+            </a:extLst>
+          </p:cNvPr>
+          <p:cNvSpPr/>
+          <p:nvPr/>
+        </p:nvSpPr>
+        <p:spPr>
+          <a:xfrm>
+            <a:off x="2873683" y="2876858"/>
+            <a:ext cx="5550408" cy="836116"/>
+          </a:xfrm>
+          <a:prstGeom prst="rect">
+            <a:avLst/>
+          </a:prstGeom>
+        </p:spPr>
+        <p:style>
+          <a:lnRef idx="2">
+            <a:schemeClr val="accent1">
+              <a:shade val="50000"/>
+            </a:schemeClr>
+          </a:lnRef>
+          <a:fillRef idx="1">
+            <a:schemeClr val="accent1"/>
+          </a:fillRef>
+          <a:effectRef idx="0">
+            <a:schemeClr val="accent1"/>
+          </a:effectRef>
+          <a:fontRef idx="minor">
+            <a:schemeClr val="lt1"/>
+          </a:fontRef>
+        </p:style>
+        <p:txBody>
+          <a:bodyPr rtlCol="0" anchor="ctr"/>
+          <a:lstStyle/>
+          <a:p>
+            <a:pPr algn="ctr"/>
+            <a:r>
+              <a:rPr lang="en-US" dirty="0"/>
+              <a:t>get return </a:t>
+            </a:r>
+            <a:r>
+              <a:rPr lang="en-US" dirty="0" err="1"/>
+              <a:t>url</a:t>
+            </a:r>
+            <a:r>
+              <a:rPr lang="en-US" dirty="0"/>
+              <a:t> from route parameters or default to '/'</a:t>
+            </a:r>
+          </a:p>
+        </p:txBody>
+      </p:sp>
+      <p:sp>
+        <p:nvSpPr>
+          <p:cNvPr id="11" name="TextBox 10">
+            <a:extLst>
+              <a:ext uri="{FF2B5EF4-FFF2-40B4-BE49-F238E27FC236}">
+                <a16:creationId xmlns:a16="http://schemas.microsoft.com/office/drawing/2014/main" id="{6F79CE70-E478-4EB5-AD17-B0E509694F3F}"/>
+              </a:ext>
+            </a:extLst>
+          </p:cNvPr>
+          <p:cNvSpPr txBox="1"/>
+          <p:nvPr/>
+        </p:nvSpPr>
+        <p:spPr>
+          <a:xfrm>
+            <a:off x="2642616" y="3859009"/>
+            <a:ext cx="6472926" cy="369332"/>
+          </a:xfrm>
+          <a:prstGeom prst="rect">
+            <a:avLst/>
+          </a:prstGeom>
+          <a:noFill/>
+        </p:spPr>
+        <p:txBody>
+          <a:bodyPr wrap="none" rtlCol="0">
+            <a:spAutoFit/>
+          </a:bodyPr>
+          <a:lstStyle/>
+          <a:p>
+            <a:r>
+              <a:rPr lang="en-US"/>
+              <a:t>this.returnUrl = this.route.snapshot.queryParams['returnUrl'] || '/';</a:t>
+            </a:r>
+            <a:endParaRPr lang="en-US" dirty="0"/>
+          </a:p>
+        </p:txBody>
+      </p:sp>
+      <p:sp>
+        <p:nvSpPr>
+          <p:cNvPr id="12" name="Rectangle 11">
+            <a:extLst>
+              <a:ext uri="{FF2B5EF4-FFF2-40B4-BE49-F238E27FC236}">
+                <a16:creationId xmlns:a16="http://schemas.microsoft.com/office/drawing/2014/main" id="{7E02810A-07AA-49F5-A1AD-890350C64285}"/>
+              </a:ext>
+            </a:extLst>
+          </p:cNvPr>
+          <p:cNvSpPr/>
+          <p:nvPr/>
+        </p:nvSpPr>
+        <p:spPr>
+          <a:xfrm>
+            <a:off x="5000818" y="5172509"/>
+            <a:ext cx="1296139" cy="481614"/>
+          </a:xfrm>
+          <a:prstGeom prst="rect">
+            <a:avLst/>
+          </a:prstGeom>
+        </p:spPr>
+        <p:style>
+          <a:lnRef idx="2">
+            <a:schemeClr val="accent6">
+              <a:shade val="50000"/>
+            </a:schemeClr>
+          </a:lnRef>
+          <a:fillRef idx="1">
+            <a:schemeClr val="accent6"/>
+          </a:fillRef>
+          <a:effectRef idx="0">
+            <a:schemeClr val="accent6"/>
+          </a:effectRef>
+          <a:fontRef idx="minor">
+            <a:schemeClr val="lt1"/>
+          </a:fontRef>
+        </p:style>
+        <p:txBody>
+          <a:bodyPr rtlCol="0" anchor="ctr"/>
+          <a:lstStyle/>
+          <a:p>
+            <a:pPr algn="ctr"/>
+            <a:r>
+              <a:rPr lang="en-US" dirty="0"/>
+              <a:t>END</a:t>
+            </a:r>
+          </a:p>
+        </p:txBody>
+      </p:sp>
+      <p:cxnSp>
+        <p:nvCxnSpPr>
+          <p:cNvPr id="14" name="Straight Arrow Connector 13">
+            <a:extLst>
+              <a:ext uri="{FF2B5EF4-FFF2-40B4-BE49-F238E27FC236}">
+                <a16:creationId xmlns:a16="http://schemas.microsoft.com/office/drawing/2014/main" id="{B53C9220-9E44-41C8-9AA4-09F160F73D77}"/>
+              </a:ext>
+            </a:extLst>
+          </p:cNvPr>
+          <p:cNvCxnSpPr>
+            <a:stCxn id="3" idx="2"/>
+            <a:endCxn id="2" idx="0"/>
+          </p:cNvCxnSpPr>
+          <p:nvPr/>
+        </p:nvCxnSpPr>
+        <p:spPr>
+          <a:xfrm flipH="1">
+            <a:off x="5648887" y="1164137"/>
+            <a:ext cx="1" cy="539811"/>
+          </a:xfrm>
+          <a:prstGeom prst="straightConnector1">
+            <a:avLst/>
+          </a:prstGeom>
+          <a:ln>
+            <a:tailEnd type="triangle"/>
+          </a:ln>
+        </p:spPr>
+        <p:style>
+          <a:lnRef idx="1">
+            <a:schemeClr val="accent1"/>
+          </a:lnRef>
+          <a:fillRef idx="0">
+            <a:schemeClr val="accent1"/>
+          </a:fillRef>
+          <a:effectRef idx="0">
+            <a:schemeClr val="accent1"/>
+          </a:effectRef>
+          <a:fontRef idx="minor">
+            <a:schemeClr val="tx1"/>
+          </a:fontRef>
+        </p:style>
+      </p:cxnSp>
+      <p:cxnSp>
+        <p:nvCxnSpPr>
+          <p:cNvPr id="18" name="Straight Arrow Connector 17">
+            <a:extLst>
+              <a:ext uri="{FF2B5EF4-FFF2-40B4-BE49-F238E27FC236}">
+                <a16:creationId xmlns:a16="http://schemas.microsoft.com/office/drawing/2014/main" id="{D092E4C3-D8CC-432A-8B92-328C172BB121}"/>
+              </a:ext>
+            </a:extLst>
+          </p:cNvPr>
+          <p:cNvCxnSpPr>
+            <a:stCxn id="2" idx="2"/>
+            <a:endCxn id="8" idx="0"/>
+          </p:cNvCxnSpPr>
+          <p:nvPr/>
+        </p:nvCxnSpPr>
+        <p:spPr>
+          <a:xfrm>
+            <a:off x="5648887" y="2343140"/>
+            <a:ext cx="0" cy="533718"/>
+          </a:xfrm>
+          <a:prstGeom prst="straightConnector1">
+            <a:avLst/>
+          </a:prstGeom>
+          <a:ln>
+            <a:tailEnd type="triangle"/>
+          </a:ln>
+        </p:spPr>
+        <p:style>
+          <a:lnRef idx="1">
+            <a:schemeClr val="accent1"/>
+          </a:lnRef>
+          <a:fillRef idx="0">
+            <a:schemeClr val="accent1"/>
+          </a:fillRef>
+          <a:effectRef idx="0">
+            <a:schemeClr val="accent1"/>
+          </a:effectRef>
+          <a:fontRef idx="minor">
+            <a:schemeClr val="tx1"/>
+          </a:fontRef>
+        </p:style>
+      </p:cxnSp>
+      <p:cxnSp>
+        <p:nvCxnSpPr>
+          <p:cNvPr id="21" name="Straight Arrow Connector 20">
+            <a:extLst>
+              <a:ext uri="{FF2B5EF4-FFF2-40B4-BE49-F238E27FC236}">
+                <a16:creationId xmlns:a16="http://schemas.microsoft.com/office/drawing/2014/main" id="{7A48E7BD-D01F-4463-9ED1-93B9C1E90563}"/>
+              </a:ext>
+            </a:extLst>
+          </p:cNvPr>
+          <p:cNvCxnSpPr>
+            <a:stCxn id="8" idx="2"/>
+            <a:endCxn id="12" idx="0"/>
+          </p:cNvCxnSpPr>
+          <p:nvPr/>
+        </p:nvCxnSpPr>
+        <p:spPr>
+          <a:xfrm>
+            <a:off x="5648887" y="3712974"/>
+            <a:ext cx="1" cy="1459535"/>
+          </a:xfrm>
+          <a:prstGeom prst="straightConnector1">
+            <a:avLst/>
+          </a:prstGeom>
+          <a:ln>
+            <a:tailEnd type="triangle"/>
+          </a:ln>
+        </p:spPr>
+        <p:style>
+          <a:lnRef idx="1">
+            <a:schemeClr val="accent1"/>
+          </a:lnRef>
+          <a:fillRef idx="0">
+            <a:schemeClr val="accent1"/>
+          </a:fillRef>
+          <a:effectRef idx="0">
+            <a:schemeClr val="accent1"/>
+          </a:effectRef>
+          <a:fontRef idx="minor">
+            <a:schemeClr val="tx1"/>
+          </a:fontRef>
+        </p:style>
+      </p:cxnSp>
+    </p:spTree>
+    <p:extLst>
+      <p:ext uri="{BB962C8B-B14F-4D97-AF65-F5344CB8AC3E}">
+        <p14:creationId xmlns:p14="http://schemas.microsoft.com/office/powerpoint/2010/main" val="1338275587"/>
+      </p:ext>
+    </p:extLst>
+  </p:cSld>
+  <p:clrMapOvr>
+    <a:masterClrMapping/>
+  </p:clrMapOvr>
+</p:sld>
+</file>
+
+<file path=ppt/slides/slide5.xml><?xml version="1.0" encoding="utf-8"?>
+<p:sld xmlns:a="http://schemas.openxmlformats.org/drawingml/2006/main" xmlns:r="http://schemas.openxmlformats.org/officeDocument/2006/relationships" xmlns:p="http://schemas.openxmlformats.org/presentationml/2006/main">
+  <p:cSld>
+    <p:spTree>
+      <p:nvGrpSpPr>
+        <p:cNvPr id="1" name=""/>
+        <p:cNvGrpSpPr/>
+        <p:nvPr/>
+      </p:nvGrpSpPr>
+      <p:grpSpPr>
+        <a:xfrm>
+          <a:off x="0" y="0"/>
+          <a:ext cx="0" cy="0"/>
+          <a:chOff x="0" y="0"/>
+          <a:chExt cx="0" cy="0"/>
+        </a:xfrm>
+      </p:grpSpPr>
+      <p:sp>
+        <p:nvSpPr>
           <p:cNvPr id="2" name="Rectangle 1">
             <a:extLst>
               <a:ext uri="{FF2B5EF4-FFF2-40B4-BE49-F238E27FC236}">
@@ -5299,7 +6560,85 @@
 </p:sld>
 </file>
 
-<file path=ppt/slides/slide5.xml><?xml version="1.0" encoding="utf-8"?>
+<file path=ppt/slides/slide6.xml><?xml version="1.0" encoding="utf-8"?>
+<p:sld xmlns:a="http://schemas.openxmlformats.org/drawingml/2006/main" xmlns:r="http://schemas.openxmlformats.org/officeDocument/2006/relationships" xmlns:p="http://schemas.openxmlformats.org/presentationml/2006/main">
+  <p:cSld>
+    <p:spTree>
+      <p:nvGrpSpPr>
+        <p:cNvPr id="1" name=""/>
+        <p:cNvGrpSpPr/>
+        <p:nvPr/>
+      </p:nvGrpSpPr>
+      <p:grpSpPr>
+        <a:xfrm>
+          <a:off x="0" y="0"/>
+          <a:ext cx="0" cy="0"/>
+          <a:chOff x="0" y="0"/>
+          <a:chExt cx="0" cy="0"/>
+        </a:xfrm>
+      </p:grpSpPr>
+      <p:sp>
+        <p:nvSpPr>
+          <p:cNvPr id="4" name="Rectangle 3">
+            <a:extLst>
+              <a:ext uri="{FF2B5EF4-FFF2-40B4-BE49-F238E27FC236}">
+                <a16:creationId xmlns:a16="http://schemas.microsoft.com/office/drawing/2014/main" id="{C7D8BA7A-C89B-49AB-835D-AF5CD8D479EB}"/>
+              </a:ext>
+            </a:extLst>
+          </p:cNvPr>
+          <p:cNvSpPr/>
+          <p:nvPr/>
+        </p:nvSpPr>
+        <p:spPr>
+          <a:xfrm>
+            <a:off x="0" y="0"/>
+            <a:ext cx="2962656" cy="923330"/>
+          </a:xfrm>
+          <a:prstGeom prst="rect">
+            <a:avLst/>
+          </a:prstGeom>
+          <a:noFill/>
+        </p:spPr>
+        <p:txBody>
+          <a:bodyPr wrap="square" lIns="91440" tIns="45720" rIns="91440" bIns="45720">
+            <a:spAutoFit/>
+          </a:bodyPr>
+          <a:lstStyle/>
+          <a:p>
+            <a:pPr algn="ctr"/>
+            <a:r>
+              <a:rPr lang="en-US" sz="5400" b="0" cap="none" spc="0" dirty="0">
+                <a:ln w="0"/>
+                <a:solidFill>
+                  <a:schemeClr val="accent1"/>
+                </a:solidFill>
+                <a:effectLst>
+                  <a:outerShdw blurRad="38100" dist="25400" dir="5400000" algn="ctr" rotWithShape="0">
+                    <a:srgbClr val="6E747A">
+                      <a:alpha val="43000"/>
+                    </a:srgbClr>
+                  </a:outerShdw>
+                </a:effectLst>
+              </a:rPr>
+              <a:t>Register()</a:t>
+            </a:r>
+          </a:p>
+        </p:txBody>
+      </p:sp>
+    </p:spTree>
+    <p:extLst>
+      <p:ext uri="{BB962C8B-B14F-4D97-AF65-F5344CB8AC3E}">
+        <p14:creationId xmlns:p14="http://schemas.microsoft.com/office/powerpoint/2010/main" val="4208375964"/>
+      </p:ext>
+    </p:extLst>
+  </p:cSld>
+  <p:clrMapOvr>
+    <a:masterClrMapping/>
+  </p:clrMapOvr>
+</p:sld>
+</file>
+
+<file path=ppt/slides/slide7.xml><?xml version="1.0" encoding="utf-8"?>
 <p:sld xmlns:a="http://schemas.openxmlformats.org/drawingml/2006/main" xmlns:r="http://schemas.openxmlformats.org/officeDocument/2006/relationships" xmlns:p="http://schemas.openxmlformats.org/presentationml/2006/main">
   <p:cSld>
     <p:spTree>
